--- a/01 - Lectures Material/00 - Administration/Administrative Information.pptx
+++ b/01 - Lectures Material/00 - Administration/Administrative Information.pptx
@@ -4400,6 +4400,12 @@
         <p:txBody>
           <a:bodyPr/>
           <a:lstStyle/>
+          <a:p>
+            <a:r>
+              <a:rPr lang="en-CH"/>
+              <a:t>Project Proposal</a:t>
+            </a:r>
+          </a:p>
           <a:p>
             <a:r>
               <a:rPr lang="en-CH" dirty="0"/>
